--- a/对比大模型/记忆力/LLM的记忆力_测试_箱子_移动物品_重量排序_对比测试大模型.pptx
+++ b/对比大模型/记忆力/LLM的记忆力_测试_箱子_移动物品_重量排序_对比测试大模型.pptx
@@ -3998,6 +3998,58 @@
           </a:prstGeom>
         </p:spPr>
       </p:pic>
+      <p:sp>
+        <p:nvSpPr>
+          <p:cNvPr id="4" name="矩形 3">
+            <a:extLst>
+              <a:ext uri="{FF2B5EF4-FFF2-40B4-BE49-F238E27FC236}">
+                <a16:creationId xmlns:a16="http://schemas.microsoft.com/office/drawing/2014/main" id="{CB349DE5-D0A3-4907-AC3A-20F2DDA06CEA}"/>
+              </a:ext>
+            </a:extLst>
+          </p:cNvPr>
+          <p:cNvSpPr/>
+          <p:nvPr/>
+        </p:nvSpPr>
+        <p:spPr>
+          <a:xfrm>
+            <a:off x="1391771" y="887505"/>
+            <a:ext cx="9843247" cy="679077"/>
+          </a:xfrm>
+          <a:prstGeom prst="rect">
+            <a:avLst/>
+          </a:prstGeom>
+          <a:noFill/>
+          <a:ln w="38100">
+            <a:solidFill>
+              <a:srgbClr val="FF0000"/>
+            </a:solidFill>
+          </a:ln>
+        </p:spPr>
+        <p:style>
+          <a:lnRef idx="2">
+            <a:schemeClr val="accent1">
+              <a:shade val="50000"/>
+            </a:schemeClr>
+          </a:lnRef>
+          <a:fillRef idx="1">
+            <a:schemeClr val="accent1"/>
+          </a:fillRef>
+          <a:effectRef idx="0">
+            <a:schemeClr val="accent1"/>
+          </a:effectRef>
+          <a:fontRef idx="minor">
+            <a:schemeClr val="lt1"/>
+          </a:fontRef>
+        </p:style>
+        <p:txBody>
+          <a:bodyPr rtlCol="0" anchor="ctr"/>
+          <a:lstStyle/>
+          <a:p>
+            <a:pPr algn="ctr"/>
+            <a:endParaRPr lang="zh-CN" altLang="en-US"/>
+          </a:p>
+        </p:txBody>
+      </p:sp>
     </p:spTree>
     <p:extLst>
       <p:ext uri="{BB962C8B-B14F-4D97-AF65-F5344CB8AC3E}">
@@ -4008,6 +4060,92 @@
   <p:clrMapOvr>
     <a:masterClrMapping/>
   </p:clrMapOvr>
+  <p:timing>
+    <p:tnLst>
+      <p:par>
+        <p:cTn id="1" dur="indefinite" restart="never" nodeType="tmRoot">
+          <p:childTnLst>
+            <p:seq concurrent="1" nextAc="seek">
+              <p:cTn id="2" dur="indefinite" nodeType="mainSeq">
+                <p:childTnLst>
+                  <p:par>
+                    <p:cTn id="3" fill="hold">
+                      <p:stCondLst>
+                        <p:cond delay="indefinite"/>
+                      </p:stCondLst>
+                      <p:childTnLst>
+                        <p:par>
+                          <p:cTn id="4" fill="hold">
+                            <p:stCondLst>
+                              <p:cond delay="0"/>
+                            </p:stCondLst>
+                            <p:childTnLst>
+                              <p:par>
+                                <p:cTn id="5" presetID="22" presetClass="entr" presetSubtype="8" fill="hold" grpId="0" nodeType="clickEffect">
+                                  <p:stCondLst>
+                                    <p:cond delay="0"/>
+                                  </p:stCondLst>
+                                  <p:childTnLst>
+                                    <p:set>
+                                      <p:cBhvr>
+                                        <p:cTn id="6" dur="1" fill="hold">
+                                          <p:stCondLst>
+                                            <p:cond delay="0"/>
+                                          </p:stCondLst>
+                                        </p:cTn>
+                                        <p:tgtEl>
+                                          <p:spTgt spid="4"/>
+                                        </p:tgtEl>
+                                        <p:attrNameLst>
+                                          <p:attrName>style.visibility</p:attrName>
+                                        </p:attrNameLst>
+                                      </p:cBhvr>
+                                      <p:to>
+                                        <p:strVal val="visible"/>
+                                      </p:to>
+                                    </p:set>
+                                    <p:animEffect transition="in" filter="wipe(left)">
+                                      <p:cBhvr>
+                                        <p:cTn id="7" dur="500"/>
+                                        <p:tgtEl>
+                                          <p:spTgt spid="4"/>
+                                        </p:tgtEl>
+                                      </p:cBhvr>
+                                    </p:animEffect>
+                                  </p:childTnLst>
+                                </p:cTn>
+                              </p:par>
+                            </p:childTnLst>
+                          </p:cTn>
+                        </p:par>
+                      </p:childTnLst>
+                    </p:cTn>
+                  </p:par>
+                </p:childTnLst>
+              </p:cTn>
+              <p:prevCondLst>
+                <p:cond evt="onPrev" delay="0">
+                  <p:tgtEl>
+                    <p:sldTgt/>
+                  </p:tgtEl>
+                </p:cond>
+              </p:prevCondLst>
+              <p:nextCondLst>
+                <p:cond evt="onNext" delay="0">
+                  <p:tgtEl>
+                    <p:sldTgt/>
+                  </p:tgtEl>
+                </p:cond>
+              </p:nextCondLst>
+            </p:seq>
+          </p:childTnLst>
+        </p:cTn>
+      </p:par>
+    </p:tnLst>
+    <p:bldLst>
+      <p:bldP spid="4" grpId="0" animBg="1"/>
+    </p:bldLst>
+  </p:timing>
 </p:sld>
 </file>
 
@@ -4175,6 +4313,41 @@
             <a:r>
               <a:rPr lang="zh-CN" altLang="en-US" dirty="0"/>
               <a:t>D（一斤桃子） → B（一斤铅） → E（一斤铅笔） → C（一斤棉花） → A（一斤棉花糖）</a:t>
+            </a:r>
+          </a:p>
+        </p:txBody>
+      </p:sp>
+      <p:sp>
+        <p:nvSpPr>
+          <p:cNvPr id="6" name="文本框 5">
+            <a:extLst>
+              <a:ext uri="{FF2B5EF4-FFF2-40B4-BE49-F238E27FC236}">
+                <a16:creationId xmlns:a16="http://schemas.microsoft.com/office/drawing/2014/main" id="{A70A8F32-BE3E-4CB5-AE5D-546A9267A756}"/>
+              </a:ext>
+            </a:extLst>
+          </p:cNvPr>
+          <p:cNvSpPr txBox="1"/>
+          <p:nvPr/>
+        </p:nvSpPr>
+        <p:spPr>
+          <a:xfrm>
+            <a:off x="11042276" y="0"/>
+            <a:ext cx="1149724" cy="379648"/>
+          </a:xfrm>
+          <a:prstGeom prst="rect">
+            <a:avLst/>
+          </a:prstGeom>
+          <a:noFill/>
+        </p:spPr>
+        <p:txBody>
+          <a:bodyPr wrap="square">
+            <a:spAutoFit/>
+          </a:bodyPr>
+          <a:lstStyle/>
+          <a:p>
+            <a:r>
+              <a:rPr lang="zh-CN" altLang="en-US" b="1" dirty="0"/>
+              <a:t>ChatGPT</a:t>
             </a:r>
           </a:p>
         </p:txBody>
@@ -4350,6 +4523,41 @@
           </a:prstGeom>
         </p:spPr>
       </p:pic>
+      <p:sp>
+        <p:nvSpPr>
+          <p:cNvPr id="4" name="文本框 3">
+            <a:extLst>
+              <a:ext uri="{FF2B5EF4-FFF2-40B4-BE49-F238E27FC236}">
+                <a16:creationId xmlns:a16="http://schemas.microsoft.com/office/drawing/2014/main" id="{0E372473-52FD-4BDB-897F-7031766BA86B}"/>
+              </a:ext>
+            </a:extLst>
+          </p:cNvPr>
+          <p:cNvSpPr txBox="1"/>
+          <p:nvPr/>
+        </p:nvSpPr>
+        <p:spPr>
+          <a:xfrm>
+            <a:off x="11042276" y="0"/>
+            <a:ext cx="1149724" cy="379648"/>
+          </a:xfrm>
+          <a:prstGeom prst="rect">
+            <a:avLst/>
+          </a:prstGeom>
+          <a:noFill/>
+        </p:spPr>
+        <p:txBody>
+          <a:bodyPr wrap="square">
+            <a:spAutoFit/>
+          </a:bodyPr>
+          <a:lstStyle/>
+          <a:p>
+            <a:r>
+              <a:rPr lang="zh-CN" altLang="en-US" b="1" dirty="0"/>
+              <a:t>ChatGPT</a:t>
+            </a:r>
+          </a:p>
+        </p:txBody>
+      </p:sp>
     </p:spTree>
     <p:extLst>
       <p:ext uri="{BB962C8B-B14F-4D97-AF65-F5344CB8AC3E}">
@@ -4461,6 +4669,41 @@
           </a:prstGeom>
         </p:spPr>
       </p:pic>
+      <p:sp>
+        <p:nvSpPr>
+          <p:cNvPr id="4" name="文本框 3">
+            <a:extLst>
+              <a:ext uri="{FF2B5EF4-FFF2-40B4-BE49-F238E27FC236}">
+                <a16:creationId xmlns:a16="http://schemas.microsoft.com/office/drawing/2014/main" id="{23164CAA-982A-460D-BD1E-A7E9CDA7C556}"/>
+              </a:ext>
+            </a:extLst>
+          </p:cNvPr>
+          <p:cNvSpPr txBox="1"/>
+          <p:nvPr/>
+        </p:nvSpPr>
+        <p:spPr>
+          <a:xfrm>
+            <a:off x="11042276" y="0"/>
+            <a:ext cx="1149724" cy="379648"/>
+          </a:xfrm>
+          <a:prstGeom prst="rect">
+            <a:avLst/>
+          </a:prstGeom>
+          <a:noFill/>
+        </p:spPr>
+        <p:txBody>
+          <a:bodyPr wrap="square">
+            <a:spAutoFit/>
+          </a:bodyPr>
+          <a:lstStyle/>
+          <a:p>
+            <a:r>
+              <a:rPr lang="zh-CN" altLang="en-US" b="1" dirty="0"/>
+              <a:t>ChatGPT</a:t>
+            </a:r>
+          </a:p>
+        </p:txBody>
+      </p:sp>
     </p:spTree>
     <p:extLst>
       <p:ext uri="{BB962C8B-B14F-4D97-AF65-F5344CB8AC3E}">
@@ -4684,6 +4927,93 @@
           </a:p>
         </p:txBody>
       </p:sp>
+      <p:sp>
+        <p:nvSpPr>
+          <p:cNvPr id="4" name="文本框 3">
+            <a:extLst>
+              <a:ext uri="{FF2B5EF4-FFF2-40B4-BE49-F238E27FC236}">
+                <a16:creationId xmlns:a16="http://schemas.microsoft.com/office/drawing/2014/main" id="{C6D4992C-A5C8-4C17-B5EB-8F506CB04A05}"/>
+              </a:ext>
+            </a:extLst>
+          </p:cNvPr>
+          <p:cNvSpPr txBox="1"/>
+          <p:nvPr/>
+        </p:nvSpPr>
+        <p:spPr>
+          <a:xfrm>
+            <a:off x="11042276" y="0"/>
+            <a:ext cx="1149724" cy="379648"/>
+          </a:xfrm>
+          <a:prstGeom prst="rect">
+            <a:avLst/>
+          </a:prstGeom>
+          <a:noFill/>
+        </p:spPr>
+        <p:txBody>
+          <a:bodyPr wrap="square">
+            <a:spAutoFit/>
+          </a:bodyPr>
+          <a:lstStyle/>
+          <a:p>
+            <a:r>
+              <a:rPr lang="zh-CN" altLang="en-US" b="1" dirty="0"/>
+              <a:t>ChatGPT</a:t>
+            </a:r>
+          </a:p>
+        </p:txBody>
+      </p:sp>
+      <p:sp>
+        <p:nvSpPr>
+          <p:cNvPr id="7" name="矩形 6">
+            <a:extLst>
+              <a:ext uri="{FF2B5EF4-FFF2-40B4-BE49-F238E27FC236}">
+                <a16:creationId xmlns:a16="http://schemas.microsoft.com/office/drawing/2014/main" id="{8EE1C7F6-5F5F-4091-B524-6670D15147B5}"/>
+              </a:ext>
+            </a:extLst>
+          </p:cNvPr>
+          <p:cNvSpPr/>
+          <p:nvPr/>
+        </p:nvSpPr>
+        <p:spPr>
+          <a:xfrm>
+            <a:off x="0" y="2158252"/>
+            <a:ext cx="12119211" cy="793377"/>
+          </a:xfrm>
+          <a:prstGeom prst="rect">
+            <a:avLst/>
+          </a:prstGeom>
+          <a:noFill/>
+          <a:ln w="38100">
+            <a:solidFill>
+              <a:srgbClr val="FF0000"/>
+            </a:solidFill>
+          </a:ln>
+        </p:spPr>
+        <p:style>
+          <a:lnRef idx="2">
+            <a:schemeClr val="accent1">
+              <a:shade val="50000"/>
+            </a:schemeClr>
+          </a:lnRef>
+          <a:fillRef idx="1">
+            <a:schemeClr val="accent1"/>
+          </a:fillRef>
+          <a:effectRef idx="0">
+            <a:schemeClr val="accent1"/>
+          </a:effectRef>
+          <a:fontRef idx="minor">
+            <a:schemeClr val="lt1"/>
+          </a:fontRef>
+        </p:style>
+        <p:txBody>
+          <a:bodyPr rtlCol="0" anchor="ctr"/>
+          <a:lstStyle/>
+          <a:p>
+            <a:pPr algn="ctr"/>
+            <a:endParaRPr lang="zh-CN" altLang="en-US"/>
+          </a:p>
+        </p:txBody>
+      </p:sp>
     </p:spTree>
     <p:extLst>
       <p:ext uri="{BB962C8B-B14F-4D97-AF65-F5344CB8AC3E}">
@@ -4694,6 +5024,92 @@
   <p:clrMapOvr>
     <a:masterClrMapping/>
   </p:clrMapOvr>
+  <p:timing>
+    <p:tnLst>
+      <p:par>
+        <p:cTn id="1" dur="indefinite" restart="never" nodeType="tmRoot">
+          <p:childTnLst>
+            <p:seq concurrent="1" nextAc="seek">
+              <p:cTn id="2" dur="indefinite" nodeType="mainSeq">
+                <p:childTnLst>
+                  <p:par>
+                    <p:cTn id="3" fill="hold">
+                      <p:stCondLst>
+                        <p:cond delay="indefinite"/>
+                      </p:stCondLst>
+                      <p:childTnLst>
+                        <p:par>
+                          <p:cTn id="4" fill="hold">
+                            <p:stCondLst>
+                              <p:cond delay="0"/>
+                            </p:stCondLst>
+                            <p:childTnLst>
+                              <p:par>
+                                <p:cTn id="5" presetID="22" presetClass="entr" presetSubtype="8" fill="hold" grpId="0" nodeType="clickEffect">
+                                  <p:stCondLst>
+                                    <p:cond delay="0"/>
+                                  </p:stCondLst>
+                                  <p:childTnLst>
+                                    <p:set>
+                                      <p:cBhvr>
+                                        <p:cTn id="6" dur="1" fill="hold">
+                                          <p:stCondLst>
+                                            <p:cond delay="0"/>
+                                          </p:stCondLst>
+                                        </p:cTn>
+                                        <p:tgtEl>
+                                          <p:spTgt spid="7"/>
+                                        </p:tgtEl>
+                                        <p:attrNameLst>
+                                          <p:attrName>style.visibility</p:attrName>
+                                        </p:attrNameLst>
+                                      </p:cBhvr>
+                                      <p:to>
+                                        <p:strVal val="visible"/>
+                                      </p:to>
+                                    </p:set>
+                                    <p:animEffect transition="in" filter="wipe(left)">
+                                      <p:cBhvr>
+                                        <p:cTn id="7" dur="500"/>
+                                        <p:tgtEl>
+                                          <p:spTgt spid="7"/>
+                                        </p:tgtEl>
+                                      </p:cBhvr>
+                                    </p:animEffect>
+                                  </p:childTnLst>
+                                </p:cTn>
+                              </p:par>
+                            </p:childTnLst>
+                          </p:cTn>
+                        </p:par>
+                      </p:childTnLst>
+                    </p:cTn>
+                  </p:par>
+                </p:childTnLst>
+              </p:cTn>
+              <p:prevCondLst>
+                <p:cond evt="onPrev" delay="0">
+                  <p:tgtEl>
+                    <p:sldTgt/>
+                  </p:tgtEl>
+                </p:cond>
+              </p:prevCondLst>
+              <p:nextCondLst>
+                <p:cond evt="onNext" delay="0">
+                  <p:tgtEl>
+                    <p:sldTgt/>
+                  </p:tgtEl>
+                </p:cond>
+              </p:nextCondLst>
+            </p:seq>
+          </p:childTnLst>
+        </p:cTn>
+      </p:par>
+    </p:tnLst>
+    <p:bldLst>
+      <p:bldP spid="7" grpId="0" animBg="1"/>
+    </p:bldLst>
+  </p:timing>
 </p:sld>
 </file>
 
@@ -4773,6 +5189,46 @@
               <a:rPr lang="zh-CN" altLang="en-US" dirty="0"/>
               <a:t>现在把A和E中放的东西对调一下，把B中放的东西移到C中，然后再把C中放的全部东西都移到D中。最后把D中原先放的东西移到B中。请问，现在这5个箱子中分别放的是什么东西，如果按照重量从大到小叠放这5个箱子，重的放下面，轻的放上面，那么，从最下面到最上面，箱子的编号顺序是怎样的？</a:t>
             </a:r>
+          </a:p>
+        </p:txBody>
+      </p:sp>
+      <p:sp>
+        <p:nvSpPr>
+          <p:cNvPr id="4" name="文本框 3">
+            <a:extLst>
+              <a:ext uri="{FF2B5EF4-FFF2-40B4-BE49-F238E27FC236}">
+                <a16:creationId xmlns:a16="http://schemas.microsoft.com/office/drawing/2014/main" id="{EF671EE1-18E3-4973-8645-1790FED19075}"/>
+              </a:ext>
+            </a:extLst>
+          </p:cNvPr>
+          <p:cNvSpPr txBox="1"/>
+          <p:nvPr/>
+        </p:nvSpPr>
+        <p:spPr>
+          <a:xfrm>
+            <a:off x="11255188" y="0"/>
+            <a:ext cx="936812" cy="379648"/>
+          </a:xfrm>
+          <a:prstGeom prst="rect">
+            <a:avLst/>
+          </a:prstGeom>
+          <a:noFill/>
+        </p:spPr>
+        <p:txBody>
+          <a:bodyPr wrap="square">
+            <a:spAutoFit/>
+          </a:bodyPr>
+          <a:lstStyle/>
+          <a:p>
+            <a:r>
+              <a:rPr lang="zh-CN" altLang="en-US" b="1" dirty="0"/>
+              <a:t>GPT</a:t>
+            </a:r>
+            <a:r>
+              <a:rPr lang="en-US" altLang="zh-CN" b="1" dirty="0"/>
+              <a:t>-4</a:t>
+            </a:r>
+            <a:endParaRPr lang="zh-CN" altLang="en-US" b="1" dirty="0"/>
           </a:p>
         </p:txBody>
       </p:sp>
@@ -4836,6 +5292,46 @@
           </a:prstGeom>
         </p:spPr>
       </p:pic>
+      <p:sp>
+        <p:nvSpPr>
+          <p:cNvPr id="4" name="文本框 3">
+            <a:extLst>
+              <a:ext uri="{FF2B5EF4-FFF2-40B4-BE49-F238E27FC236}">
+                <a16:creationId xmlns:a16="http://schemas.microsoft.com/office/drawing/2014/main" id="{E5108F06-38B9-4A00-BAA7-CF391F3C4360}"/>
+              </a:ext>
+            </a:extLst>
+          </p:cNvPr>
+          <p:cNvSpPr txBox="1"/>
+          <p:nvPr/>
+        </p:nvSpPr>
+        <p:spPr>
+          <a:xfrm>
+            <a:off x="11255188" y="0"/>
+            <a:ext cx="936812" cy="379648"/>
+          </a:xfrm>
+          <a:prstGeom prst="rect">
+            <a:avLst/>
+          </a:prstGeom>
+          <a:noFill/>
+        </p:spPr>
+        <p:txBody>
+          <a:bodyPr wrap="square">
+            <a:spAutoFit/>
+          </a:bodyPr>
+          <a:lstStyle/>
+          <a:p>
+            <a:r>
+              <a:rPr lang="zh-CN" altLang="en-US" b="1" dirty="0"/>
+              <a:t>GPT</a:t>
+            </a:r>
+            <a:r>
+              <a:rPr lang="en-US" altLang="zh-CN" b="1" dirty="0"/>
+              <a:t>-4</a:t>
+            </a:r>
+            <a:endParaRPr lang="zh-CN" altLang="en-US" b="1" dirty="0"/>
+          </a:p>
+        </p:txBody>
+      </p:sp>
     </p:spTree>
     <p:extLst>
       <p:ext uri="{BB962C8B-B14F-4D97-AF65-F5344CB8AC3E}">
@@ -4914,6 +5410,46 @@
               <a:rPr lang="zh-CN" altLang="en-US" dirty="0"/>
               <a:t>现在请你用markdown标记语言生成一个表格。表格包含四列，分别是（1）箱子编号，（2）初始时各箱子中的物品，（3）移动后结束时各箱子中的物品，（4）箱子按照重量从重到轻叠放，重的箱子放在最下面，标为1（层），次重的箱子放在第2层，标为2（层），直到最轻的箱子放在最上面，标为5（层）</a:t>
             </a:r>
+          </a:p>
+        </p:txBody>
+      </p:sp>
+      <p:sp>
+        <p:nvSpPr>
+          <p:cNvPr id="4" name="文本框 3">
+            <a:extLst>
+              <a:ext uri="{FF2B5EF4-FFF2-40B4-BE49-F238E27FC236}">
+                <a16:creationId xmlns:a16="http://schemas.microsoft.com/office/drawing/2014/main" id="{3EEA1CA3-BA37-4BB6-BA7B-7314370E0023}"/>
+              </a:ext>
+            </a:extLst>
+          </p:cNvPr>
+          <p:cNvSpPr txBox="1"/>
+          <p:nvPr/>
+        </p:nvSpPr>
+        <p:spPr>
+          <a:xfrm>
+            <a:off x="11255188" y="0"/>
+            <a:ext cx="936812" cy="379648"/>
+          </a:xfrm>
+          <a:prstGeom prst="rect">
+            <a:avLst/>
+          </a:prstGeom>
+          <a:noFill/>
+        </p:spPr>
+        <p:txBody>
+          <a:bodyPr wrap="square">
+            <a:spAutoFit/>
+          </a:bodyPr>
+          <a:lstStyle/>
+          <a:p>
+            <a:r>
+              <a:rPr lang="zh-CN" altLang="en-US" b="1" dirty="0"/>
+              <a:t>GPT</a:t>
+            </a:r>
+            <a:r>
+              <a:rPr lang="en-US" altLang="zh-CN" b="1" dirty="0"/>
+              <a:t>-4</a:t>
+            </a:r>
+            <a:endParaRPr lang="zh-CN" altLang="en-US" b="1" dirty="0"/>
           </a:p>
         </p:txBody>
       </p:sp>
@@ -4977,6 +5513,48 @@
           </a:prstGeom>
         </p:spPr>
       </p:pic>
+      <p:sp>
+        <p:nvSpPr>
+          <p:cNvPr id="4" name="文本框 3">
+            <a:extLst>
+              <a:ext uri="{FF2B5EF4-FFF2-40B4-BE49-F238E27FC236}">
+                <a16:creationId xmlns:a16="http://schemas.microsoft.com/office/drawing/2014/main" id="{BF2A1D74-0F00-46F6-8684-6151D9C8F933}"/>
+              </a:ext>
+            </a:extLst>
+          </p:cNvPr>
+          <p:cNvSpPr txBox="1"/>
+          <p:nvPr/>
+        </p:nvSpPr>
+        <p:spPr>
+          <a:xfrm>
+            <a:off x="11255188" y="0"/>
+            <a:ext cx="936812" cy="379648"/>
+          </a:xfrm>
+          <a:prstGeom prst="rect">
+            <a:avLst/>
+          </a:prstGeom>
+          <a:solidFill>
+            <a:schemeClr val="bg1"/>
+          </a:solidFill>
+        </p:spPr>
+        <p:txBody>
+          <a:bodyPr wrap="square">
+            <a:spAutoFit/>
+          </a:bodyPr>
+          <a:lstStyle/>
+          <a:p>
+            <a:r>
+              <a:rPr lang="zh-CN" altLang="en-US" b="1" dirty="0"/>
+              <a:t>GPT</a:t>
+            </a:r>
+            <a:r>
+              <a:rPr lang="en-US" altLang="zh-CN" b="1" dirty="0"/>
+              <a:t>-4</a:t>
+            </a:r>
+            <a:endParaRPr lang="zh-CN" altLang="en-US" b="1" dirty="0"/>
+          </a:p>
+        </p:txBody>
+      </p:sp>
     </p:spTree>
     <p:extLst>
       <p:ext uri="{BB962C8B-B14F-4D97-AF65-F5344CB8AC3E}">
@@ -5045,6 +5623,48 @@
               <a:rPr lang="zh-CN" altLang="en-US" dirty="0"/>
               <a:t>请直接输出表格，不要输出代码。另外，第4列“叠放顺序（层）”要求从1到5排序（编号），不能像上面这样只有2和5两个编号，这样无法叠放。</a:t>
             </a:r>
+          </a:p>
+        </p:txBody>
+      </p:sp>
+      <p:sp>
+        <p:nvSpPr>
+          <p:cNvPr id="4" name="文本框 3">
+            <a:extLst>
+              <a:ext uri="{FF2B5EF4-FFF2-40B4-BE49-F238E27FC236}">
+                <a16:creationId xmlns:a16="http://schemas.microsoft.com/office/drawing/2014/main" id="{10E67791-6E29-4645-B0DE-412F5A67059D}"/>
+              </a:ext>
+            </a:extLst>
+          </p:cNvPr>
+          <p:cNvSpPr txBox="1"/>
+          <p:nvPr/>
+        </p:nvSpPr>
+        <p:spPr>
+          <a:xfrm>
+            <a:off x="11255188" y="0"/>
+            <a:ext cx="936812" cy="379648"/>
+          </a:xfrm>
+          <a:prstGeom prst="rect">
+            <a:avLst/>
+          </a:prstGeom>
+          <a:solidFill>
+            <a:schemeClr val="bg1"/>
+          </a:solidFill>
+        </p:spPr>
+        <p:txBody>
+          <a:bodyPr wrap="square">
+            <a:spAutoFit/>
+          </a:bodyPr>
+          <a:lstStyle/>
+          <a:p>
+            <a:r>
+              <a:rPr lang="zh-CN" altLang="en-US" b="1" dirty="0"/>
+              <a:t>GPT</a:t>
+            </a:r>
+            <a:r>
+              <a:rPr lang="en-US" altLang="zh-CN" b="1" dirty="0"/>
+              <a:t>-4</a:t>
+            </a:r>
+            <a:endParaRPr lang="zh-CN" altLang="en-US" b="1" dirty="0"/>
           </a:p>
         </p:txBody>
       </p:sp>
@@ -5108,6 +5728,48 @@
           </a:prstGeom>
         </p:spPr>
       </p:pic>
+      <p:sp>
+        <p:nvSpPr>
+          <p:cNvPr id="3" name="文本框 2">
+            <a:extLst>
+              <a:ext uri="{FF2B5EF4-FFF2-40B4-BE49-F238E27FC236}">
+                <a16:creationId xmlns:a16="http://schemas.microsoft.com/office/drawing/2014/main" id="{73B7C605-18B3-42C3-877A-B3DE53838258}"/>
+              </a:ext>
+            </a:extLst>
+          </p:cNvPr>
+          <p:cNvSpPr txBox="1"/>
+          <p:nvPr/>
+        </p:nvSpPr>
+        <p:spPr>
+          <a:xfrm>
+            <a:off x="11255188" y="0"/>
+            <a:ext cx="936812" cy="379648"/>
+          </a:xfrm>
+          <a:prstGeom prst="rect">
+            <a:avLst/>
+          </a:prstGeom>
+          <a:solidFill>
+            <a:schemeClr val="bg1"/>
+          </a:solidFill>
+        </p:spPr>
+        <p:txBody>
+          <a:bodyPr wrap="square">
+            <a:spAutoFit/>
+          </a:bodyPr>
+          <a:lstStyle/>
+          <a:p>
+            <a:r>
+              <a:rPr lang="zh-CN" altLang="en-US" b="1" dirty="0"/>
+              <a:t>GPT</a:t>
+            </a:r>
+            <a:r>
+              <a:rPr lang="en-US" altLang="zh-CN" b="1" dirty="0"/>
+              <a:t>-4</a:t>
+            </a:r>
+            <a:endParaRPr lang="zh-CN" altLang="en-US" b="1" dirty="0"/>
+          </a:p>
+        </p:txBody>
+      </p:sp>
     </p:spTree>
     <p:extLst>
       <p:ext uri="{BB962C8B-B14F-4D97-AF65-F5344CB8AC3E}">
